--- a/Vaccine_Uptake_Presentation.pptx
+++ b/Vaccine_Uptake_Presentation.pptx
@@ -196,7 +196,7 @@
           <a:noFill/>
           <a:extLst>
             <a:ext uri="{909E8E84-426E-40dd-AFC4-6F175D3DCCD1}">
-              <a14:hiddenFill xmlns:a14="http://schemas.microsoft.com/office/drawing/2010/main" xmlns="">
+              <a14:hiddenFill xmlns="" xmlns:a14="http://schemas.microsoft.com/office/drawing/2010/main">
                 <a:solidFill>
                   <a:srgbClr val="FFFFFF"/>
                 </a:solidFill>
@@ -256,7 +256,7 @@
             </a:ln>
             <a:extLst>
               <a:ext uri="{91240B29-F687-4f45-9708-019B960494DF}">
-                <a14:hiddenLine xmlns:a14="http://schemas.microsoft.com/office/drawing/2010/main" xmlns="" w="9525">
+                <a14:hiddenLine xmlns="" xmlns:a14="http://schemas.microsoft.com/office/drawing/2010/main" w="9525">
                   <a:solidFill>
                     <a:srgbClr val="000000"/>
                   </a:solidFill>
@@ -346,7 +346,7 @@
             </a:ln>
             <a:extLst>
               <a:ext uri="{91240B29-F687-4f45-9708-019B960494DF}">
-                <a14:hiddenLine xmlns:a14="http://schemas.microsoft.com/office/drawing/2010/main" xmlns="" w="9525">
+                <a14:hiddenLine xmlns="" xmlns:a14="http://schemas.microsoft.com/office/drawing/2010/main" w="9525">
                   <a:solidFill>
                     <a:srgbClr val="000000"/>
                   </a:solidFill>
@@ -436,7 +436,7 @@
             </a:ln>
             <a:extLst>
               <a:ext uri="{91240B29-F687-4f45-9708-019B960494DF}">
-                <a14:hiddenLine xmlns:a14="http://schemas.microsoft.com/office/drawing/2010/main" xmlns="" w="9525">
+                <a14:hiddenLine xmlns="" xmlns:a14="http://schemas.microsoft.com/office/drawing/2010/main" w="9525">
                   <a:solidFill>
                     <a:srgbClr val="000000"/>
                   </a:solidFill>
@@ -470,7 +470,7 @@
             </a:ln>
             <a:extLst>
               <a:ext uri="{91240B29-F687-4f45-9708-019B960494DF}">
-                <a14:hiddenLine xmlns:a14="http://schemas.microsoft.com/office/drawing/2010/main" xmlns="" w="9525">
+                <a14:hiddenLine xmlns="" xmlns:a14="http://schemas.microsoft.com/office/drawing/2010/main" w="9525">
                   <a:solidFill>
                     <a:srgbClr val="000000"/>
                   </a:solidFill>
@@ -560,7 +560,7 @@
             </a:ln>
             <a:extLst>
               <a:ext uri="{91240B29-F687-4f45-9708-019B960494DF}">
-                <a14:hiddenLine xmlns:a14="http://schemas.microsoft.com/office/drawing/2010/main" xmlns="" w="9525">
+                <a14:hiddenLine xmlns="" xmlns:a14="http://schemas.microsoft.com/office/drawing/2010/main" w="9525">
                   <a:solidFill>
                     <a:srgbClr val="000000"/>
                   </a:solidFill>
@@ -622,7 +622,7 @@
             </a:ln>
             <a:extLst>
               <a:ext uri="{91240B29-F687-4f45-9708-019B960494DF}">
-                <a14:hiddenLine xmlns:a14="http://schemas.microsoft.com/office/drawing/2010/main" xmlns="" w="9525">
+                <a14:hiddenLine xmlns="" xmlns:a14="http://schemas.microsoft.com/office/drawing/2010/main" w="9525">
                   <a:solidFill>
                     <a:srgbClr val="000000"/>
                   </a:solidFill>
@@ -684,7 +684,7 @@
             </a:ln>
             <a:extLst>
               <a:ext uri="{91240B29-F687-4f45-9708-019B960494DF}">
-                <a14:hiddenLine xmlns:a14="http://schemas.microsoft.com/office/drawing/2010/main" xmlns="" w="9525">
+                <a14:hiddenLine xmlns="" xmlns:a14="http://schemas.microsoft.com/office/drawing/2010/main" w="9525">
                   <a:solidFill>
                     <a:srgbClr val="000000"/>
                   </a:solidFill>
@@ -774,7 +774,7 @@
             </a:ln>
             <a:extLst>
               <a:ext uri="{91240B29-F687-4f45-9708-019B960494DF}">
-                <a14:hiddenLine xmlns:a14="http://schemas.microsoft.com/office/drawing/2010/main" xmlns="" w="9525">
+                <a14:hiddenLine xmlns="" xmlns:a14="http://schemas.microsoft.com/office/drawing/2010/main" w="9525">
                   <a:solidFill>
                     <a:srgbClr val="000000"/>
                   </a:solidFill>
@@ -836,7 +836,7 @@
             </a:ln>
             <a:extLst>
               <a:ext uri="{91240B29-F687-4f45-9708-019B960494DF}">
-                <a14:hiddenLine xmlns:a14="http://schemas.microsoft.com/office/drawing/2010/main" xmlns="" w="9525">
+                <a14:hiddenLine xmlns="" xmlns:a14="http://schemas.microsoft.com/office/drawing/2010/main" w="9525">
                   <a:solidFill>
                     <a:srgbClr val="000000"/>
                   </a:solidFill>
@@ -898,7 +898,7 @@
             </a:ln>
             <a:extLst>
               <a:ext uri="{91240B29-F687-4f45-9708-019B960494DF}">
-                <a14:hiddenLine xmlns:a14="http://schemas.microsoft.com/office/drawing/2010/main" xmlns="" w="9525">
+                <a14:hiddenLine xmlns="" xmlns:a14="http://schemas.microsoft.com/office/drawing/2010/main" w="9525">
                   <a:solidFill>
                     <a:srgbClr val="000000"/>
                   </a:solidFill>
@@ -988,7 +988,7 @@
             </a:ln>
             <a:extLst>
               <a:ext uri="{91240B29-F687-4f45-9708-019B960494DF}">
-                <a14:hiddenLine xmlns:a14="http://schemas.microsoft.com/office/drawing/2010/main" xmlns="" w="9525">
+                <a14:hiddenLine xmlns="" xmlns:a14="http://schemas.microsoft.com/office/drawing/2010/main" w="9525">
                   <a:solidFill>
                     <a:srgbClr val="000000"/>
                   </a:solidFill>
@@ -1078,7 +1078,7 @@
             </a:ln>
             <a:extLst>
               <a:ext uri="{91240B29-F687-4f45-9708-019B960494DF}">
-                <a14:hiddenLine xmlns:a14="http://schemas.microsoft.com/office/drawing/2010/main" xmlns="" w="9525">
+                <a14:hiddenLine xmlns="" xmlns:a14="http://schemas.microsoft.com/office/drawing/2010/main" w="9525">
                   <a:solidFill>
                     <a:srgbClr val="000000"/>
                   </a:solidFill>
@@ -1140,7 +1140,7 @@
             </a:ln>
             <a:extLst>
               <a:ext uri="{91240B29-F687-4f45-9708-019B960494DF}">
-                <a14:hiddenLine xmlns:a14="http://schemas.microsoft.com/office/drawing/2010/main" xmlns="" w="9525">
+                <a14:hiddenLine xmlns="" xmlns:a14="http://schemas.microsoft.com/office/drawing/2010/main" w="9525">
                   <a:solidFill>
                     <a:srgbClr val="000000"/>
                   </a:solidFill>
@@ -1250,7 +1250,7 @@
             </a:ln>
             <a:extLst>
               <a:ext uri="{91240B29-F687-4f45-9708-019B960494DF}">
-                <a14:hiddenLine xmlns:a14="http://schemas.microsoft.com/office/drawing/2010/main" xmlns="" w="9525">
+                <a14:hiddenLine xmlns="" xmlns:a14="http://schemas.microsoft.com/office/drawing/2010/main" w="9525">
                   <a:solidFill>
                     <a:srgbClr val="000000"/>
                   </a:solidFill>
@@ -1312,7 +1312,7 @@
             </a:ln>
             <a:extLst>
               <a:ext uri="{91240B29-F687-4f45-9708-019B960494DF}">
-                <a14:hiddenLine xmlns:a14="http://schemas.microsoft.com/office/drawing/2010/main" xmlns="" w="9525">
+                <a14:hiddenLine xmlns="" xmlns:a14="http://schemas.microsoft.com/office/drawing/2010/main" w="9525">
                   <a:solidFill>
                     <a:srgbClr val="000000"/>
                   </a:solidFill>
@@ -1402,7 +1402,7 @@
             </a:ln>
             <a:extLst>
               <a:ext uri="{91240B29-F687-4f45-9708-019B960494DF}">
-                <a14:hiddenLine xmlns:a14="http://schemas.microsoft.com/office/drawing/2010/main" xmlns="" w="9525">
+                <a14:hiddenLine xmlns="" xmlns:a14="http://schemas.microsoft.com/office/drawing/2010/main" w="9525">
                   <a:solidFill>
                     <a:srgbClr val="000000"/>
                   </a:solidFill>
@@ -1492,7 +1492,7 @@
             </a:ln>
             <a:extLst>
               <a:ext uri="{91240B29-F687-4f45-9708-019B960494DF}">
-                <a14:hiddenLine xmlns:a14="http://schemas.microsoft.com/office/drawing/2010/main" xmlns="" w="9525">
+                <a14:hiddenLine xmlns="" xmlns:a14="http://schemas.microsoft.com/office/drawing/2010/main" w="9525">
                   <a:solidFill>
                     <a:srgbClr val="000000"/>
                   </a:solidFill>
@@ -1554,7 +1554,7 @@
             </a:ln>
             <a:extLst>
               <a:ext uri="{91240B29-F687-4f45-9708-019B960494DF}">
-                <a14:hiddenLine xmlns:a14="http://schemas.microsoft.com/office/drawing/2010/main" xmlns="" w="9525">
+                <a14:hiddenLine xmlns="" xmlns:a14="http://schemas.microsoft.com/office/drawing/2010/main" w="9525">
                   <a:solidFill>
                     <a:srgbClr val="000000"/>
                   </a:solidFill>
@@ -1644,7 +1644,7 @@
             </a:ln>
             <a:extLst>
               <a:ext uri="{91240B29-F687-4f45-9708-019B960494DF}">
-                <a14:hiddenLine xmlns:a14="http://schemas.microsoft.com/office/drawing/2010/main" xmlns="" w="9525">
+                <a14:hiddenLine xmlns="" xmlns:a14="http://schemas.microsoft.com/office/drawing/2010/main" w="9525">
                   <a:solidFill>
                     <a:srgbClr val="000000"/>
                   </a:solidFill>
@@ -1734,7 +1734,7 @@
             </a:ln>
             <a:extLst>
               <a:ext uri="{91240B29-F687-4f45-9708-019B960494DF}">
-                <a14:hiddenLine xmlns:a14="http://schemas.microsoft.com/office/drawing/2010/main" xmlns="" w="9525">
+                <a14:hiddenLine xmlns="" xmlns:a14="http://schemas.microsoft.com/office/drawing/2010/main" w="9525">
                   <a:solidFill>
                     <a:srgbClr val="000000"/>
                   </a:solidFill>
@@ -1790,7 +1790,7 @@
             </a:ln>
             <a:extLst>
               <a:ext uri="{91240B29-F687-4f45-9708-019B960494DF}">
-                <a14:hiddenLine xmlns:a14="http://schemas.microsoft.com/office/drawing/2010/main" xmlns="" w="9525">
+                <a14:hiddenLine xmlns="" xmlns:a14="http://schemas.microsoft.com/office/drawing/2010/main" w="9525">
                   <a:solidFill>
                     <a:srgbClr val="000000"/>
                   </a:solidFill>
@@ -1880,7 +1880,7 @@
             </a:ln>
             <a:extLst>
               <a:ext uri="{91240B29-F687-4f45-9708-019B960494DF}">
-                <a14:hiddenLine xmlns:a14="http://schemas.microsoft.com/office/drawing/2010/main" xmlns="" w="9525">
+                <a14:hiddenLine xmlns="" xmlns:a14="http://schemas.microsoft.com/office/drawing/2010/main" w="9525">
                   <a:solidFill>
                     <a:srgbClr val="000000"/>
                   </a:solidFill>
@@ -1936,7 +1936,7 @@
             </a:ln>
             <a:extLst>
               <a:ext uri="{91240B29-F687-4f45-9708-019B960494DF}">
-                <a14:hiddenLine xmlns:a14="http://schemas.microsoft.com/office/drawing/2010/main" xmlns="" w="9525">
+                <a14:hiddenLine xmlns="" xmlns:a14="http://schemas.microsoft.com/office/drawing/2010/main" w="9525">
                   <a:solidFill>
                     <a:srgbClr val="000000"/>
                   </a:solidFill>
@@ -2026,7 +2026,7 @@
             </a:ln>
             <a:extLst>
               <a:ext uri="{91240B29-F687-4f45-9708-019B960494DF}">
-                <a14:hiddenLine xmlns:a14="http://schemas.microsoft.com/office/drawing/2010/main" xmlns="" w="9525">
+                <a14:hiddenLine xmlns="" xmlns:a14="http://schemas.microsoft.com/office/drawing/2010/main" w="9525">
                   <a:solidFill>
                     <a:srgbClr val="000000"/>
                   </a:solidFill>
@@ -2094,7 +2094,7 @@
             </a:ln>
             <a:extLst>
               <a:ext uri="{91240B29-F687-4f45-9708-019B960494DF}">
-                <a14:hiddenLine xmlns:a14="http://schemas.microsoft.com/office/drawing/2010/main" xmlns="" w="9525">
+                <a14:hiddenLine xmlns="" xmlns:a14="http://schemas.microsoft.com/office/drawing/2010/main" w="9525">
                   <a:solidFill>
                     <a:srgbClr val="000000"/>
                   </a:solidFill>
@@ -2184,7 +2184,7 @@
             </a:ln>
             <a:extLst>
               <a:ext uri="{91240B29-F687-4f45-9708-019B960494DF}">
-                <a14:hiddenLine xmlns:a14="http://schemas.microsoft.com/office/drawing/2010/main" xmlns="" w="9525">
+                <a14:hiddenLine xmlns="" xmlns:a14="http://schemas.microsoft.com/office/drawing/2010/main" w="9525">
                   <a:solidFill>
                     <a:srgbClr val="000000"/>
                   </a:solidFill>
@@ -2252,7 +2252,7 @@
             </a:ln>
             <a:extLst>
               <a:ext uri="{91240B29-F687-4f45-9708-019B960494DF}">
-                <a14:hiddenLine xmlns:a14="http://schemas.microsoft.com/office/drawing/2010/main" xmlns="" w="9525">
+                <a14:hiddenLine xmlns="" xmlns:a14="http://schemas.microsoft.com/office/drawing/2010/main" w="9525">
                   <a:solidFill>
                     <a:srgbClr val="000000"/>
                   </a:solidFill>
@@ -2342,7 +2342,7 @@
             </a:ln>
             <a:extLst>
               <a:ext uri="{91240B29-F687-4f45-9708-019B960494DF}">
-                <a14:hiddenLine xmlns:a14="http://schemas.microsoft.com/office/drawing/2010/main" xmlns="" w="9525">
+                <a14:hiddenLine xmlns="" xmlns:a14="http://schemas.microsoft.com/office/drawing/2010/main" w="9525">
                   <a:solidFill>
                     <a:srgbClr val="000000"/>
                   </a:solidFill>
@@ -2376,7 +2376,7 @@
             </a:ln>
             <a:extLst>
               <a:ext uri="{91240B29-F687-4f45-9708-019B960494DF}">
-                <a14:hiddenLine xmlns:a14="http://schemas.microsoft.com/office/drawing/2010/main" xmlns="" w="9525">
+                <a14:hiddenLine xmlns="" xmlns:a14="http://schemas.microsoft.com/office/drawing/2010/main" w="9525">
                   <a:solidFill>
                     <a:srgbClr val="000000"/>
                   </a:solidFill>
@@ -2466,7 +2466,7 @@
             </a:ln>
             <a:extLst>
               <a:ext uri="{91240B29-F687-4f45-9708-019B960494DF}">
-                <a14:hiddenLine xmlns:a14="http://schemas.microsoft.com/office/drawing/2010/main" xmlns="" w="9525">
+                <a14:hiddenLine xmlns="" xmlns:a14="http://schemas.microsoft.com/office/drawing/2010/main" w="9525">
                   <a:solidFill>
                     <a:srgbClr val="000000"/>
                   </a:solidFill>
@@ -2528,7 +2528,7 @@
             </a:ln>
             <a:extLst>
               <a:ext uri="{91240B29-F687-4f45-9708-019B960494DF}">
-                <a14:hiddenLine xmlns:a14="http://schemas.microsoft.com/office/drawing/2010/main" xmlns="" w="9525">
+                <a14:hiddenLine xmlns="" xmlns:a14="http://schemas.microsoft.com/office/drawing/2010/main" w="9525">
                   <a:solidFill>
                     <a:srgbClr val="000000"/>
                   </a:solidFill>
@@ -2590,7 +2590,7 @@
             </a:ln>
             <a:extLst>
               <a:ext uri="{91240B29-F687-4f45-9708-019B960494DF}">
-                <a14:hiddenLine xmlns:a14="http://schemas.microsoft.com/office/drawing/2010/main" xmlns="" w="9525">
+                <a14:hiddenLine xmlns="" xmlns:a14="http://schemas.microsoft.com/office/drawing/2010/main" w="9525">
                   <a:solidFill>
                     <a:srgbClr val="000000"/>
                   </a:solidFill>
@@ -2680,7 +2680,7 @@
             </a:ln>
             <a:extLst>
               <a:ext uri="{91240B29-F687-4f45-9708-019B960494DF}">
-                <a14:hiddenLine xmlns:a14="http://schemas.microsoft.com/office/drawing/2010/main" xmlns="" w="9525">
+                <a14:hiddenLine xmlns="" xmlns:a14="http://schemas.microsoft.com/office/drawing/2010/main" w="9525">
                   <a:solidFill>
                     <a:srgbClr val="000000"/>
                   </a:solidFill>
@@ -2748,7 +2748,7 @@
             </a:ln>
             <a:extLst>
               <a:ext uri="{91240B29-F687-4f45-9708-019B960494DF}">
-                <a14:hiddenLine xmlns:a14="http://schemas.microsoft.com/office/drawing/2010/main" xmlns="" w="9525">
+                <a14:hiddenLine xmlns="" xmlns:a14="http://schemas.microsoft.com/office/drawing/2010/main" w="9525">
                   <a:solidFill>
                     <a:srgbClr val="000000"/>
                   </a:solidFill>
@@ -2810,7 +2810,7 @@
             </a:ln>
             <a:extLst>
               <a:ext uri="{91240B29-F687-4f45-9708-019B960494DF}">
-                <a14:hiddenLine xmlns:a14="http://schemas.microsoft.com/office/drawing/2010/main" xmlns="" w="9525">
+                <a14:hiddenLine xmlns="" xmlns:a14="http://schemas.microsoft.com/office/drawing/2010/main" w="9525">
                   <a:solidFill>
                     <a:srgbClr val="000000"/>
                   </a:solidFill>
@@ -2900,7 +2900,7 @@
             </a:ln>
             <a:extLst>
               <a:ext uri="{91240B29-F687-4f45-9708-019B960494DF}">
-                <a14:hiddenLine xmlns:a14="http://schemas.microsoft.com/office/drawing/2010/main" xmlns="" w="9525">
+                <a14:hiddenLine xmlns="" xmlns:a14="http://schemas.microsoft.com/office/drawing/2010/main" w="9525">
                   <a:solidFill>
                     <a:srgbClr val="000000"/>
                   </a:solidFill>
@@ -2962,7 +2962,7 @@
             </a:ln>
             <a:extLst>
               <a:ext uri="{91240B29-F687-4f45-9708-019B960494DF}">
-                <a14:hiddenLine xmlns:a14="http://schemas.microsoft.com/office/drawing/2010/main" xmlns="" w="9525">
+                <a14:hiddenLine xmlns="" xmlns:a14="http://schemas.microsoft.com/office/drawing/2010/main" w="9525">
                   <a:solidFill>
                     <a:srgbClr val="000000"/>
                   </a:solidFill>
@@ -3052,7 +3052,7 @@
             </a:ln>
             <a:extLst>
               <a:ext uri="{91240B29-F687-4f45-9708-019B960494DF}">
-                <a14:hiddenLine xmlns:a14="http://schemas.microsoft.com/office/drawing/2010/main" xmlns="" w="9525">
+                <a14:hiddenLine xmlns="" xmlns:a14="http://schemas.microsoft.com/office/drawing/2010/main" w="9525">
                   <a:solidFill>
                     <a:srgbClr val="000000"/>
                   </a:solidFill>
@@ -3114,7 +3114,7 @@
             </a:ln>
             <a:extLst>
               <a:ext uri="{91240B29-F687-4f45-9708-019B960494DF}">
-                <a14:hiddenLine xmlns:a14="http://schemas.microsoft.com/office/drawing/2010/main" xmlns="" w="9525">
+                <a14:hiddenLine xmlns="" xmlns:a14="http://schemas.microsoft.com/office/drawing/2010/main" w="9525">
                   <a:solidFill>
                     <a:srgbClr val="000000"/>
                   </a:solidFill>
@@ -3204,7 +3204,7 @@
             </a:ln>
             <a:extLst>
               <a:ext uri="{91240B29-F687-4f45-9708-019B960494DF}">
-                <a14:hiddenLine xmlns:a14="http://schemas.microsoft.com/office/drawing/2010/main" xmlns="" w="9525">
+                <a14:hiddenLine xmlns="" xmlns:a14="http://schemas.microsoft.com/office/drawing/2010/main" w="9525">
                   <a:solidFill>
                     <a:srgbClr val="000000"/>
                   </a:solidFill>
@@ -3238,7 +3238,7 @@
             </a:ln>
             <a:extLst>
               <a:ext uri="{91240B29-F687-4f45-9708-019B960494DF}">
-                <a14:hiddenLine xmlns:a14="http://schemas.microsoft.com/office/drawing/2010/main" xmlns="" w="9525">
+                <a14:hiddenLine xmlns="" xmlns:a14="http://schemas.microsoft.com/office/drawing/2010/main" w="9525">
                   <a:solidFill>
                     <a:srgbClr val="000000"/>
                   </a:solidFill>
@@ -3303,7 +3303,7 @@
             </a:ln>
             <a:extLst>
               <a:ext uri="{91240B29-F687-4f45-9708-019B960494DF}">
-                <a14:hiddenLine xmlns:a14="http://schemas.microsoft.com/office/drawing/2010/main" xmlns="" w="9525">
+                <a14:hiddenLine xmlns="" xmlns:a14="http://schemas.microsoft.com/office/drawing/2010/main" w="9525">
                   <a:solidFill>
                     <a:srgbClr val="000000"/>
                   </a:solidFill>
@@ -3393,7 +3393,7 @@
             </a:ln>
             <a:extLst>
               <a:ext uri="{91240B29-F687-4f45-9708-019B960494DF}">
-                <a14:hiddenLine xmlns:a14="http://schemas.microsoft.com/office/drawing/2010/main" xmlns="" w="9525">
+                <a14:hiddenLine xmlns="" xmlns:a14="http://schemas.microsoft.com/office/drawing/2010/main" w="9525">
                   <a:solidFill>
                     <a:srgbClr val="000000"/>
                   </a:solidFill>
@@ -3455,7 +3455,7 @@
             </a:ln>
             <a:extLst>
               <a:ext uri="{91240B29-F687-4f45-9708-019B960494DF}">
-                <a14:hiddenLine xmlns:a14="http://schemas.microsoft.com/office/drawing/2010/main" xmlns="" w="9525">
+                <a14:hiddenLine xmlns="" xmlns:a14="http://schemas.microsoft.com/office/drawing/2010/main" w="9525">
                   <a:solidFill>
                     <a:srgbClr val="000000"/>
                   </a:solidFill>
@@ -3545,7 +3545,7 @@
             </a:ln>
             <a:extLst>
               <a:ext uri="{91240B29-F687-4f45-9708-019B960494DF}">
-                <a14:hiddenLine xmlns:a14="http://schemas.microsoft.com/office/drawing/2010/main" xmlns="" w="9525">
+                <a14:hiddenLine xmlns="" xmlns:a14="http://schemas.microsoft.com/office/drawing/2010/main" w="9525">
                   <a:solidFill>
                     <a:srgbClr val="000000"/>
                   </a:solidFill>
@@ -3635,7 +3635,7 @@
             </a:ln>
             <a:extLst>
               <a:ext uri="{91240B29-F687-4f45-9708-019B960494DF}">
-                <a14:hiddenLine xmlns:a14="http://schemas.microsoft.com/office/drawing/2010/main" xmlns="" w="9525">
+                <a14:hiddenLine xmlns="" xmlns:a14="http://schemas.microsoft.com/office/drawing/2010/main" w="9525">
                   <a:solidFill>
                     <a:srgbClr val="000000"/>
                   </a:solidFill>
@@ -3700,7 +3700,7 @@
             </a:ln>
             <a:extLst>
               <a:ext uri="{91240B29-F687-4f45-9708-019B960494DF}">
-                <a14:hiddenLine xmlns:a14="http://schemas.microsoft.com/office/drawing/2010/main" xmlns="" w="9525">
+                <a14:hiddenLine xmlns="" xmlns:a14="http://schemas.microsoft.com/office/drawing/2010/main" w="9525">
                   <a:solidFill>
                     <a:srgbClr val="000000"/>
                   </a:solidFill>
@@ -3762,7 +3762,7 @@
             </a:ln>
             <a:extLst>
               <a:ext uri="{91240B29-F687-4f45-9708-019B960494DF}">
-                <a14:hiddenLine xmlns:a14="http://schemas.microsoft.com/office/drawing/2010/main" xmlns="" w="9525">
+                <a14:hiddenLine xmlns="" xmlns:a14="http://schemas.microsoft.com/office/drawing/2010/main" w="9525">
                   <a:solidFill>
                     <a:srgbClr val="000000"/>
                   </a:solidFill>
@@ -3852,7 +3852,7 @@
             </a:ln>
             <a:extLst>
               <a:ext uri="{91240B29-F687-4f45-9708-019B960494DF}">
-                <a14:hiddenLine xmlns:a14="http://schemas.microsoft.com/office/drawing/2010/main" xmlns="" w="9525">
+                <a14:hiddenLine xmlns="" xmlns:a14="http://schemas.microsoft.com/office/drawing/2010/main" w="9525">
                   <a:solidFill>
                     <a:srgbClr val="000000"/>
                   </a:solidFill>
@@ -3942,7 +3942,7 @@
             </a:ln>
             <a:extLst>
               <a:ext uri="{91240B29-F687-4f45-9708-019B960494DF}">
-                <a14:hiddenLine xmlns:a14="http://schemas.microsoft.com/office/drawing/2010/main" xmlns="" w="9525">
+                <a14:hiddenLine xmlns="" xmlns:a14="http://schemas.microsoft.com/office/drawing/2010/main" w="9525">
                   <a:solidFill>
                     <a:srgbClr val="000000"/>
                   </a:solidFill>
@@ -4004,7 +4004,7 @@
             </a:ln>
             <a:extLst>
               <a:ext uri="{91240B29-F687-4f45-9708-019B960494DF}">
-                <a14:hiddenLine xmlns:a14="http://schemas.microsoft.com/office/drawing/2010/main" xmlns="" w="9525">
+                <a14:hiddenLine xmlns="" xmlns:a14="http://schemas.microsoft.com/office/drawing/2010/main" w="9525">
                   <a:solidFill>
                     <a:srgbClr val="000000"/>
                   </a:solidFill>
@@ -4124,7 +4124,7 @@
             </a:ln>
             <a:extLst>
               <a:ext uri="{91240B29-F687-4f45-9708-019B960494DF}">
-                <a14:hiddenLine xmlns:a14="http://schemas.microsoft.com/office/drawing/2010/main" xmlns="" w="9525">
+                <a14:hiddenLine xmlns="" xmlns:a14="http://schemas.microsoft.com/office/drawing/2010/main" w="9525">
                   <a:solidFill>
                     <a:srgbClr val="000000"/>
                   </a:solidFill>
@@ -4192,7 +4192,7 @@
             </a:ln>
             <a:extLst>
               <a:ext uri="{91240B29-F687-4f45-9708-019B960494DF}">
-                <a14:hiddenLine xmlns:a14="http://schemas.microsoft.com/office/drawing/2010/main" xmlns="" w="9525">
+                <a14:hiddenLine xmlns="" xmlns:a14="http://schemas.microsoft.com/office/drawing/2010/main" w="9525">
                   <a:solidFill>
                     <a:srgbClr val="000000"/>
                   </a:solidFill>
@@ -4282,7 +4282,7 @@
             </a:ln>
             <a:extLst>
               <a:ext uri="{91240B29-F687-4f45-9708-019B960494DF}">
-                <a14:hiddenLine xmlns:a14="http://schemas.microsoft.com/office/drawing/2010/main" xmlns="" w="9525">
+                <a14:hiddenLine xmlns="" xmlns:a14="http://schemas.microsoft.com/office/drawing/2010/main" w="9525">
                   <a:solidFill>
                     <a:srgbClr val="000000"/>
                   </a:solidFill>
@@ -9097,7 +9097,7 @@
           <a:noFill/>
           <a:extLst>
             <a:ext uri="{909E8E84-426E-40dd-AFC4-6F175D3DCCD1}">
-              <a14:hiddenFill xmlns:a14="http://schemas.microsoft.com/office/drawing/2010/main" xmlns="">
+              <a14:hiddenFill xmlns="" xmlns:a14="http://schemas.microsoft.com/office/drawing/2010/main">
                 <a:solidFill>
                   <a:srgbClr val="FFFFFF"/>
                 </a:solidFill>
@@ -9171,7 +9171,7 @@
               </a:ln>
               <a:extLst>
                 <a:ext uri="{91240B29-F687-4f45-9708-019B960494DF}">
-                  <a14:hiddenLine xmlns:a14="http://schemas.microsoft.com/office/drawing/2010/main" xmlns="" w="9525">
+                  <a14:hiddenLine xmlns="" xmlns:a14="http://schemas.microsoft.com/office/drawing/2010/main" w="9525">
                     <a:solidFill>
                       <a:srgbClr val="000000"/>
                     </a:solidFill>
@@ -9261,7 +9261,7 @@
               </a:ln>
               <a:extLst>
                 <a:ext uri="{91240B29-F687-4f45-9708-019B960494DF}">
-                  <a14:hiddenLine xmlns:a14="http://schemas.microsoft.com/office/drawing/2010/main" xmlns="" w="9525">
+                  <a14:hiddenLine xmlns="" xmlns:a14="http://schemas.microsoft.com/office/drawing/2010/main" w="9525">
                     <a:solidFill>
                       <a:srgbClr val="000000"/>
                     </a:solidFill>
@@ -9351,7 +9351,7 @@
               </a:ln>
               <a:extLst>
                 <a:ext uri="{91240B29-F687-4f45-9708-019B960494DF}">
-                  <a14:hiddenLine xmlns:a14="http://schemas.microsoft.com/office/drawing/2010/main" xmlns="" w="9525">
+                  <a14:hiddenLine xmlns="" xmlns:a14="http://schemas.microsoft.com/office/drawing/2010/main" w="9525">
                     <a:solidFill>
                       <a:srgbClr val="000000"/>
                     </a:solidFill>
@@ -9413,7 +9413,7 @@
               </a:ln>
               <a:extLst>
                 <a:ext uri="{91240B29-F687-4f45-9708-019B960494DF}">
-                  <a14:hiddenLine xmlns:a14="http://schemas.microsoft.com/office/drawing/2010/main" xmlns="" w="9525">
+                  <a14:hiddenLine xmlns="" xmlns:a14="http://schemas.microsoft.com/office/drawing/2010/main" w="9525">
                     <a:solidFill>
                       <a:srgbClr val="000000"/>
                     </a:solidFill>
@@ -9503,7 +9503,7 @@
               </a:ln>
               <a:extLst>
                 <a:ext uri="{91240B29-F687-4f45-9708-019B960494DF}">
-                  <a14:hiddenLine xmlns:a14="http://schemas.microsoft.com/office/drawing/2010/main" xmlns="" w="9525">
+                  <a14:hiddenLine xmlns="" xmlns:a14="http://schemas.microsoft.com/office/drawing/2010/main" w="9525">
                     <a:solidFill>
                       <a:srgbClr val="000000"/>
                     </a:solidFill>
@@ -9565,7 +9565,7 @@
               </a:ln>
               <a:extLst>
                 <a:ext uri="{91240B29-F687-4f45-9708-019B960494DF}">
-                  <a14:hiddenLine xmlns:a14="http://schemas.microsoft.com/office/drawing/2010/main" xmlns="" w="9525">
+                  <a14:hiddenLine xmlns="" xmlns:a14="http://schemas.microsoft.com/office/drawing/2010/main" w="9525">
                     <a:solidFill>
                       <a:srgbClr val="000000"/>
                     </a:solidFill>
@@ -9627,7 +9627,7 @@
               </a:ln>
               <a:extLst>
                 <a:ext uri="{91240B29-F687-4f45-9708-019B960494DF}">
-                  <a14:hiddenLine xmlns:a14="http://schemas.microsoft.com/office/drawing/2010/main" xmlns="" w="9525">
+                  <a14:hiddenLine xmlns="" xmlns:a14="http://schemas.microsoft.com/office/drawing/2010/main" w="9525">
                     <a:solidFill>
                       <a:srgbClr val="000000"/>
                     </a:solidFill>
@@ -9717,7 +9717,7 @@
               </a:ln>
               <a:extLst>
                 <a:ext uri="{91240B29-F687-4f45-9708-019B960494DF}">
-                  <a14:hiddenLine xmlns:a14="http://schemas.microsoft.com/office/drawing/2010/main" xmlns="" w="9525">
+                  <a14:hiddenLine xmlns="" xmlns:a14="http://schemas.microsoft.com/office/drawing/2010/main" w="9525">
                     <a:solidFill>
                       <a:srgbClr val="000000"/>
                     </a:solidFill>
@@ -9807,7 +9807,7 @@
               </a:ln>
               <a:extLst>
                 <a:ext uri="{91240B29-F687-4f45-9708-019B960494DF}">
-                  <a14:hiddenLine xmlns:a14="http://schemas.microsoft.com/office/drawing/2010/main" xmlns="" w="9525">
+                  <a14:hiddenLine xmlns="" xmlns:a14="http://schemas.microsoft.com/office/drawing/2010/main" w="9525">
                     <a:solidFill>
                       <a:srgbClr val="000000"/>
                     </a:solidFill>
@@ -9869,7 +9869,7 @@
               </a:ln>
               <a:extLst>
                 <a:ext uri="{91240B29-F687-4f45-9708-019B960494DF}">
-                  <a14:hiddenLine xmlns:a14="http://schemas.microsoft.com/office/drawing/2010/main" xmlns="" w="9525">
+                  <a14:hiddenLine xmlns="" xmlns:a14="http://schemas.microsoft.com/office/drawing/2010/main" w="9525">
                     <a:solidFill>
                       <a:srgbClr val="000000"/>
                     </a:solidFill>
@@ -9979,7 +9979,7 @@
               </a:ln>
               <a:extLst>
                 <a:ext uri="{91240B29-F687-4f45-9708-019B960494DF}">
-                  <a14:hiddenLine xmlns:a14="http://schemas.microsoft.com/office/drawing/2010/main" xmlns="" w="9525">
+                  <a14:hiddenLine xmlns="" xmlns:a14="http://schemas.microsoft.com/office/drawing/2010/main" w="9525">
                     <a:solidFill>
                       <a:srgbClr val="000000"/>
                     </a:solidFill>
@@ -10063,7 +10063,7 @@
               </a:ln>
               <a:extLst>
                 <a:ext uri="{91240B29-F687-4f45-9708-019B960494DF}">
-                  <a14:hiddenLine xmlns:a14="http://schemas.microsoft.com/office/drawing/2010/main" xmlns="" w="9525">
+                  <a14:hiddenLine xmlns="" xmlns:a14="http://schemas.microsoft.com/office/drawing/2010/main" w="9525">
                     <a:solidFill>
                       <a:srgbClr val="000000"/>
                     </a:solidFill>
@@ -10125,7 +10125,7 @@
               </a:ln>
               <a:extLst>
                 <a:ext uri="{91240B29-F687-4f45-9708-019B960494DF}">
-                  <a14:hiddenLine xmlns:a14="http://schemas.microsoft.com/office/drawing/2010/main" xmlns="" w="9525">
+                  <a14:hiddenLine xmlns="" xmlns:a14="http://schemas.microsoft.com/office/drawing/2010/main" w="9525">
                     <a:solidFill>
                       <a:srgbClr val="000000"/>
                     </a:solidFill>
@@ -10187,7 +10187,7 @@
               </a:ln>
               <a:extLst>
                 <a:ext uri="{91240B29-F687-4f45-9708-019B960494DF}">
-                  <a14:hiddenLine xmlns:a14="http://schemas.microsoft.com/office/drawing/2010/main" xmlns="" w="9525">
+                  <a14:hiddenLine xmlns="" xmlns:a14="http://schemas.microsoft.com/office/drawing/2010/main" w="9525">
                     <a:solidFill>
                       <a:srgbClr val="000000"/>
                     </a:solidFill>
@@ -10277,7 +10277,7 @@
               </a:ln>
               <a:extLst>
                 <a:ext uri="{91240B29-F687-4f45-9708-019B960494DF}">
-                  <a14:hiddenLine xmlns:a14="http://schemas.microsoft.com/office/drawing/2010/main" xmlns="" w="9525">
+                  <a14:hiddenLine xmlns="" xmlns:a14="http://schemas.microsoft.com/office/drawing/2010/main" w="9525">
                     <a:solidFill>
                       <a:srgbClr val="000000"/>
                     </a:solidFill>
@@ -10311,7 +10311,7 @@
               </a:ln>
               <a:extLst>
                 <a:ext uri="{91240B29-F687-4f45-9708-019B960494DF}">
-                  <a14:hiddenLine xmlns:a14="http://schemas.microsoft.com/office/drawing/2010/main" xmlns="" w="9525">
+                  <a14:hiddenLine xmlns="" xmlns:a14="http://schemas.microsoft.com/office/drawing/2010/main" w="9525">
                     <a:solidFill>
                       <a:srgbClr val="000000"/>
                     </a:solidFill>
@@ -10376,7 +10376,7 @@
               </a:ln>
               <a:extLst>
                 <a:ext uri="{91240B29-F687-4f45-9708-019B960494DF}">
-                  <a14:hiddenLine xmlns:a14="http://schemas.microsoft.com/office/drawing/2010/main" xmlns="" w="9525">
+                  <a14:hiddenLine xmlns="" xmlns:a14="http://schemas.microsoft.com/office/drawing/2010/main" w="9525">
                     <a:solidFill>
                       <a:srgbClr val="000000"/>
                     </a:solidFill>
@@ -10466,7 +10466,7 @@
               </a:ln>
               <a:extLst>
                 <a:ext uri="{91240B29-F687-4f45-9708-019B960494DF}">
-                  <a14:hiddenLine xmlns:a14="http://schemas.microsoft.com/office/drawing/2010/main" xmlns="" w="9525">
+                  <a14:hiddenLine xmlns="" xmlns:a14="http://schemas.microsoft.com/office/drawing/2010/main" w="9525">
                     <a:solidFill>
                       <a:srgbClr val="000000"/>
                     </a:solidFill>
@@ -10528,7 +10528,7 @@
               </a:ln>
               <a:extLst>
                 <a:ext uri="{91240B29-F687-4f45-9708-019B960494DF}">
-                  <a14:hiddenLine xmlns:a14="http://schemas.microsoft.com/office/drawing/2010/main" xmlns="" w="9525">
+                  <a14:hiddenLine xmlns="" xmlns:a14="http://schemas.microsoft.com/office/drawing/2010/main" w="9525">
                     <a:solidFill>
                       <a:srgbClr val="000000"/>
                     </a:solidFill>
@@ -10618,7 +10618,7 @@
               </a:ln>
               <a:extLst>
                 <a:ext uri="{91240B29-F687-4f45-9708-019B960494DF}">
-                  <a14:hiddenLine xmlns:a14="http://schemas.microsoft.com/office/drawing/2010/main" xmlns="" w="9525">
+                  <a14:hiddenLine xmlns="" xmlns:a14="http://schemas.microsoft.com/office/drawing/2010/main" w="9525">
                     <a:solidFill>
                       <a:srgbClr val="000000"/>
                     </a:solidFill>
@@ -10683,7 +10683,7 @@
               </a:ln>
               <a:extLst>
                 <a:ext uri="{91240B29-F687-4f45-9708-019B960494DF}">
-                  <a14:hiddenLine xmlns:a14="http://schemas.microsoft.com/office/drawing/2010/main" xmlns="" w="9525">
+                  <a14:hiddenLine xmlns="" xmlns:a14="http://schemas.microsoft.com/office/drawing/2010/main" w="9525">
                     <a:solidFill>
                       <a:srgbClr val="000000"/>
                     </a:solidFill>
@@ -10745,7 +10745,7 @@
               </a:ln>
               <a:extLst>
                 <a:ext uri="{91240B29-F687-4f45-9708-019B960494DF}">
-                  <a14:hiddenLine xmlns:a14="http://schemas.microsoft.com/office/drawing/2010/main" xmlns="" w="9525">
+                  <a14:hiddenLine xmlns="" xmlns:a14="http://schemas.microsoft.com/office/drawing/2010/main" w="9525">
                     <a:solidFill>
                       <a:srgbClr val="000000"/>
                     </a:solidFill>
@@ -10835,7 +10835,7 @@
               </a:ln>
               <a:extLst>
                 <a:ext uri="{91240B29-F687-4f45-9708-019B960494DF}">
-                  <a14:hiddenLine xmlns:a14="http://schemas.microsoft.com/office/drawing/2010/main" xmlns="" w="9525">
+                  <a14:hiddenLine xmlns="" xmlns:a14="http://schemas.microsoft.com/office/drawing/2010/main" w="9525">
                     <a:solidFill>
                       <a:srgbClr val="000000"/>
                     </a:solidFill>
@@ -10925,7 +10925,7 @@
               </a:ln>
               <a:extLst>
                 <a:ext uri="{91240B29-F687-4f45-9708-019B960494DF}">
-                  <a14:hiddenLine xmlns:a14="http://schemas.microsoft.com/office/drawing/2010/main" xmlns="" w="9525">
+                  <a14:hiddenLine xmlns="" xmlns:a14="http://schemas.microsoft.com/office/drawing/2010/main" w="9525">
                     <a:solidFill>
                       <a:srgbClr val="000000"/>
                     </a:solidFill>
@@ -10990,7 +10990,7 @@
               </a:ln>
               <a:extLst>
                 <a:ext uri="{91240B29-F687-4f45-9708-019B960494DF}">
-                  <a14:hiddenLine xmlns:a14="http://schemas.microsoft.com/office/drawing/2010/main" xmlns="" w="9525">
+                  <a14:hiddenLine xmlns="" xmlns:a14="http://schemas.microsoft.com/office/drawing/2010/main" w="9525">
                     <a:solidFill>
                       <a:srgbClr val="000000"/>
                     </a:solidFill>
@@ -11110,7 +11110,7 @@
               </a:ln>
               <a:extLst>
                 <a:ext uri="{91240B29-F687-4f45-9708-019B960494DF}">
-                  <a14:hiddenLine xmlns:a14="http://schemas.microsoft.com/office/drawing/2010/main" xmlns="" w="9525">
+                  <a14:hiddenLine xmlns="" xmlns:a14="http://schemas.microsoft.com/office/drawing/2010/main" w="9525">
                     <a:solidFill>
                       <a:srgbClr val="000000"/>
                     </a:solidFill>
@@ -11208,7 +11208,7 @@
               </a:ln>
               <a:extLst>
                 <a:ext uri="{91240B29-F687-4f45-9708-019B960494DF}">
-                  <a14:hiddenLine xmlns:a14="http://schemas.microsoft.com/office/drawing/2010/main" xmlns="" w="9525">
+                  <a14:hiddenLine xmlns="" xmlns:a14="http://schemas.microsoft.com/office/drawing/2010/main" w="9525">
                     <a:solidFill>
                       <a:srgbClr val="000000"/>
                     </a:solidFill>
@@ -11323,7 +11323,7 @@
               </a:ln>
               <a:extLst>
                 <a:ext uri="{91240B29-F687-4f45-9708-019B960494DF}">
-                  <a14:hiddenLine xmlns:a14="http://schemas.microsoft.com/office/drawing/2010/main" xmlns="" w="9525">
+                  <a14:hiddenLine xmlns="" xmlns:a14="http://schemas.microsoft.com/office/drawing/2010/main" w="9525">
                     <a:solidFill>
                       <a:srgbClr val="000000"/>
                     </a:solidFill>
@@ -11413,7 +11413,7 @@
               </a:ln>
               <a:extLst>
                 <a:ext uri="{91240B29-F687-4f45-9708-019B960494DF}">
-                  <a14:hiddenLine xmlns:a14="http://schemas.microsoft.com/office/drawing/2010/main" xmlns="" w="9525">
+                  <a14:hiddenLine xmlns="" xmlns:a14="http://schemas.microsoft.com/office/drawing/2010/main" w="9525">
                     <a:solidFill>
                       <a:srgbClr val="000000"/>
                     </a:solidFill>
@@ -11478,7 +11478,7 @@
               </a:ln>
               <a:extLst>
                 <a:ext uri="{91240B29-F687-4f45-9708-019B960494DF}">
-                  <a14:hiddenLine xmlns:a14="http://schemas.microsoft.com/office/drawing/2010/main" xmlns="" w="9525">
+                  <a14:hiddenLine xmlns="" xmlns:a14="http://schemas.microsoft.com/office/drawing/2010/main" w="9525">
                     <a:solidFill>
                       <a:srgbClr val="000000"/>
                     </a:solidFill>
@@ -11568,7 +11568,7 @@
               </a:ln>
               <a:extLst>
                 <a:ext uri="{91240B29-F687-4f45-9708-019B960494DF}">
-                  <a14:hiddenLine xmlns:a14="http://schemas.microsoft.com/office/drawing/2010/main" xmlns="" w="9525">
+                  <a14:hiddenLine xmlns="" xmlns:a14="http://schemas.microsoft.com/office/drawing/2010/main" w="9525">
                     <a:solidFill>
                       <a:srgbClr val="000000"/>
                     </a:solidFill>
@@ -11636,7 +11636,7 @@
               </a:ln>
               <a:extLst>
                 <a:ext uri="{91240B29-F687-4f45-9708-019B960494DF}">
-                  <a14:hiddenLine xmlns:a14="http://schemas.microsoft.com/office/drawing/2010/main" xmlns="" w="9525">
+                  <a14:hiddenLine xmlns="" xmlns:a14="http://schemas.microsoft.com/office/drawing/2010/main" w="9525">
                     <a:solidFill>
                       <a:srgbClr val="000000"/>
                     </a:solidFill>
@@ -11726,7 +11726,7 @@
               </a:ln>
               <a:extLst>
                 <a:ext uri="{91240B29-F687-4f45-9708-019B960494DF}">
-                  <a14:hiddenLine xmlns:a14="http://schemas.microsoft.com/office/drawing/2010/main" xmlns="" w="9525">
+                  <a14:hiddenLine xmlns="" xmlns:a14="http://schemas.microsoft.com/office/drawing/2010/main" w="9525">
                     <a:solidFill>
                       <a:srgbClr val="000000"/>
                     </a:solidFill>
@@ -11794,7 +11794,7 @@
               </a:ln>
               <a:extLst>
                 <a:ext uri="{91240B29-F687-4f45-9708-019B960494DF}">
-                  <a14:hiddenLine xmlns:a14="http://schemas.microsoft.com/office/drawing/2010/main" xmlns="" w="9525">
+                  <a14:hiddenLine xmlns="" xmlns:a14="http://schemas.microsoft.com/office/drawing/2010/main" w="9525">
                     <a:solidFill>
                       <a:srgbClr val="000000"/>
                     </a:solidFill>
@@ -11884,7 +11884,7 @@
               </a:ln>
               <a:extLst>
                 <a:ext uri="{91240B29-F687-4f45-9708-019B960494DF}">
-                  <a14:hiddenLine xmlns:a14="http://schemas.microsoft.com/office/drawing/2010/main" xmlns="" w="9525">
+                  <a14:hiddenLine xmlns="" xmlns:a14="http://schemas.microsoft.com/office/drawing/2010/main" w="9525">
                     <a:solidFill>
                       <a:srgbClr val="000000"/>
                     </a:solidFill>
@@ -11918,7 +11918,7 @@
               </a:ln>
               <a:extLst>
                 <a:ext uri="{91240B29-F687-4f45-9708-019B960494DF}">
-                  <a14:hiddenLine xmlns:a14="http://schemas.microsoft.com/office/drawing/2010/main" xmlns="" w="9525">
+                  <a14:hiddenLine xmlns="" xmlns:a14="http://schemas.microsoft.com/office/drawing/2010/main" w="9525">
                     <a:solidFill>
                       <a:srgbClr val="000000"/>
                     </a:solidFill>
@@ -12870,6 +12870,74 @@
           </a:prstGeom>
         </p:spPr>
       </p:pic>
+      <p:sp>
+        <p:nvSpPr>
+          <p:cNvPr id="4" name="TextBox 3"/>
+          <p:cNvSpPr txBox="1"/>
+          <p:nvPr/>
+        </p:nvSpPr>
+        <p:spPr>
+          <a:xfrm>
+            <a:off x="933457" y="5943599"/>
+            <a:ext cx="3503598" cy="369332"/>
+          </a:xfrm>
+          <a:prstGeom prst="rect">
+            <a:avLst/>
+          </a:prstGeom>
+          <a:noFill/>
+        </p:spPr>
+        <p:txBody>
+          <a:bodyPr wrap="square" rtlCol="0">
+            <a:spAutoFit/>
+          </a:bodyPr>
+          <a:lstStyle/>
+          <a:p>
+            <a:pPr marL="285750" indent="-285750">
+              <a:buFont typeface="Arial" panose="020B0604020202020204" pitchFamily="34" charset="0"/>
+              <a:buChar char="•"/>
+            </a:pPr>
+            <a:r>
+              <a:rPr lang="en-GB" dirty="0" smtClean="0"/>
+              <a:t>The prediction is at 68%</a:t>
+            </a:r>
+            <a:endParaRPr lang="en-US" dirty="0"/>
+          </a:p>
+        </p:txBody>
+      </p:sp>
+      <p:sp>
+        <p:nvSpPr>
+          <p:cNvPr id="9" name="TextBox 8"/>
+          <p:cNvSpPr txBox="1"/>
+          <p:nvPr/>
+        </p:nvSpPr>
+        <p:spPr>
+          <a:xfrm>
+            <a:off x="4514851" y="5606534"/>
+            <a:ext cx="3503598" cy="369332"/>
+          </a:xfrm>
+          <a:prstGeom prst="rect">
+            <a:avLst/>
+          </a:prstGeom>
+          <a:noFill/>
+        </p:spPr>
+        <p:txBody>
+          <a:bodyPr wrap="square" rtlCol="0">
+            <a:spAutoFit/>
+          </a:bodyPr>
+          <a:lstStyle/>
+          <a:p>
+            <a:pPr marL="285750" indent="-285750">
+              <a:buFont typeface="Arial" panose="020B0604020202020204" pitchFamily="34" charset="0"/>
+              <a:buChar char="•"/>
+            </a:pPr>
+            <a:r>
+              <a:rPr lang="en-GB" dirty="0" smtClean="0"/>
+              <a:t>The prediction is at 69%</a:t>
+            </a:r>
+            <a:endParaRPr lang="en-US" dirty="0"/>
+          </a:p>
+        </p:txBody>
+      </p:sp>
     </p:spTree>
     <p:extLst>
       <p:ext uri="{BB962C8B-B14F-4D97-AF65-F5344CB8AC3E}">
@@ -12880,6 +12948,13 @@
   <p:clrMapOvr>
     <a:masterClrMapping/>
   </p:clrMapOvr>
+  <p:timing>
+    <p:tnLst>
+      <p:par>
+        <p:cTn id="1" dur="indefinite" restart="never" nodeType="tmRoot"/>
+      </p:par>
+    </p:tnLst>
+  </p:timing>
 </p:sld>
 </file>
 
@@ -12979,6 +13054,13 @@
   <p:clrMapOvr>
     <a:masterClrMapping/>
   </p:clrMapOvr>
+  <p:timing>
+    <p:tnLst>
+      <p:par>
+        <p:cTn id="1" dur="indefinite" restart="never" nodeType="tmRoot"/>
+      </p:par>
+    </p:tnLst>
+  </p:timing>
 </p:sld>
 </file>
 
@@ -13077,6 +13159,44 @@
           </a:prstGeom>
         </p:spPr>
       </p:pic>
+      <p:sp>
+        <p:nvSpPr>
+          <p:cNvPr id="3" name="TextBox 2"/>
+          <p:cNvSpPr txBox="1"/>
+          <p:nvPr/>
+        </p:nvSpPr>
+        <p:spPr>
+          <a:xfrm flipH="1">
+            <a:off x="5693700" y="2855741"/>
+            <a:ext cx="2897944" cy="1754326"/>
+          </a:xfrm>
+          <a:prstGeom prst="rect">
+            <a:avLst/>
+          </a:prstGeom>
+          <a:noFill/>
+        </p:spPr>
+        <p:txBody>
+          <a:bodyPr wrap="square" rtlCol="0">
+            <a:spAutoFit/>
+          </a:bodyPr>
+          <a:lstStyle/>
+          <a:p>
+            <a:pPr marL="285750" indent="-285750">
+              <a:buFont typeface="Arial" panose="020B0604020202020204" pitchFamily="34" charset="0"/>
+              <a:buChar char="•"/>
+            </a:pPr>
+            <a:r>
+              <a:rPr lang="en-GB" dirty="0" smtClean="0"/>
+              <a:t>I compared the accuracy score with other models to see the best performing model which is the Gradient Boosting using Label </a:t>
+            </a:r>
+            <a:r>
+              <a:rPr lang="en-GB" dirty="0" err="1" smtClean="0"/>
+              <a:t>PowerSet</a:t>
+            </a:r>
+            <a:endParaRPr lang="en-US" dirty="0"/>
+          </a:p>
+        </p:txBody>
+      </p:sp>
     </p:spTree>
     <p:extLst>
       <p:ext uri="{BB962C8B-B14F-4D97-AF65-F5344CB8AC3E}">
